--- a/Fid'Lin Presentation2.pptx
+++ b/Fid'Lin Presentation2.pptx
@@ -5,7 +5,7 @@
     <p:sldMasterId id="2147483658" r:id="rId1"/>
   </p:sldMasterIdLst>
   <p:notesMasterIdLst>
-    <p:notesMasterId r:id="rId13"/>
+    <p:notesMasterId r:id="rId14"/>
   </p:notesMasterIdLst>
   <p:sldIdLst>
     <p:sldId id="256" r:id="rId2"/>
@@ -13,29 +13,30 @@
     <p:sldId id="264" r:id="rId4"/>
     <p:sldId id="262" r:id="rId5"/>
     <p:sldId id="265" r:id="rId6"/>
-    <p:sldId id="257" r:id="rId7"/>
-    <p:sldId id="258" r:id="rId8"/>
-    <p:sldId id="266" r:id="rId9"/>
-    <p:sldId id="267" r:id="rId10"/>
-    <p:sldId id="260" r:id="rId11"/>
-    <p:sldId id="261" r:id="rId12"/>
+    <p:sldId id="268" r:id="rId7"/>
+    <p:sldId id="257" r:id="rId8"/>
+    <p:sldId id="258" r:id="rId9"/>
+    <p:sldId id="266" r:id="rId10"/>
+    <p:sldId id="267" r:id="rId11"/>
+    <p:sldId id="260" r:id="rId12"/>
+    <p:sldId id="261" r:id="rId13"/>
   </p:sldIdLst>
   <p:sldSz cx="12192000" cy="6858000"/>
   <p:notesSz cx="6858000" cy="9144000"/>
   <p:embeddedFontLst>
     <p:embeddedFont>
       <p:font typeface="Cabin" panose="020B0604020202020204" charset="0"/>
-      <p:regular r:id="rId14"/>
-      <p:bold r:id="rId15"/>
-      <p:italic r:id="rId16"/>
-      <p:boldItalic r:id="rId17"/>
+      <p:regular r:id="rId15"/>
+      <p:bold r:id="rId16"/>
+      <p:italic r:id="rId17"/>
+      <p:boldItalic r:id="rId18"/>
     </p:embeddedFont>
     <p:embeddedFont>
       <p:font typeface="Calibri" panose="020F0502020204030204" pitchFamily="34" charset="0"/>
-      <p:regular r:id="rId18"/>
-      <p:bold r:id="rId19"/>
-      <p:italic r:id="rId20"/>
-      <p:boldItalic r:id="rId21"/>
+      <p:regular r:id="rId19"/>
+      <p:bold r:id="rId20"/>
+      <p:italic r:id="rId21"/>
+      <p:boldItalic r:id="rId22"/>
     </p:embeddedFont>
   </p:embeddedFontLst>
   <p:defaultTextStyle>
@@ -5170,6 +5171,64 @@
           <p:cNvPr id="2" name="Title 1">
             <a:extLst>
               <a:ext uri="{FF2B5EF4-FFF2-40B4-BE49-F238E27FC236}">
+                <a16:creationId xmlns:a16="http://schemas.microsoft.com/office/drawing/2014/main" id="{3B31BB42-6931-44D7-901E-143929F45810}"/>
+              </a:ext>
+            </a:extLst>
+          </p:cNvPr>
+          <p:cNvSpPr>
+            <a:spLocks noGrp="1"/>
+          </p:cNvSpPr>
+          <p:nvPr>
+            <p:ph type="ctrTitle"/>
+          </p:nvPr>
+        </p:nvSpPr>
+        <p:spPr/>
+        <p:txBody>
+          <a:bodyPr/>
+          <a:lstStyle/>
+          <a:p>
+            <a:r>
+              <a:rPr lang="en-US" dirty="0"/>
+              <a:t>Plan b</a:t>
+            </a:r>
+          </a:p>
+        </p:txBody>
+      </p:sp>
+    </p:spTree>
+    <p:extLst>
+      <p:ext uri="{BB962C8B-B14F-4D97-AF65-F5344CB8AC3E}">
+        <p14:creationId xmlns:p14="http://schemas.microsoft.com/office/powerpoint/2010/main" val="4204385414"/>
+      </p:ext>
+    </p:extLst>
+  </p:cSld>
+  <p:clrMapOvr>
+    <a:masterClrMapping/>
+  </p:clrMapOvr>
+</p:sld>
+</file>
+
+<file path=ppt/slides/slide11.xml><?xml version="1.0" encoding="utf-8"?>
+<p:sld xmlns:a="http://schemas.openxmlformats.org/drawingml/2006/main" xmlns:r="http://schemas.openxmlformats.org/officeDocument/2006/relationships" xmlns:p="http://schemas.openxmlformats.org/presentationml/2006/main">
+  <p:cSld>
+    <p:spTree>
+      <p:nvGrpSpPr>
+        <p:cNvPr id="1" name=""/>
+        <p:cNvGrpSpPr/>
+        <p:nvPr/>
+      </p:nvGrpSpPr>
+      <p:grpSpPr>
+        <a:xfrm>
+          <a:off x="0" y="0"/>
+          <a:ext cx="0" cy="0"/>
+          <a:chOff x="0" y="0"/>
+          <a:chExt cx="0" cy="0"/>
+        </a:xfrm>
+      </p:grpSpPr>
+      <p:sp>
+        <p:nvSpPr>
+          <p:cNvPr id="2" name="Title 1">
+            <a:extLst>
+              <a:ext uri="{FF2B5EF4-FFF2-40B4-BE49-F238E27FC236}">
                 <a16:creationId xmlns:a16="http://schemas.microsoft.com/office/drawing/2014/main" id="{91095D0F-2F79-4046-8B8A-125AC73DEDA5}"/>
               </a:ext>
             </a:extLst>
@@ -5231,7 +5290,7 @@
 </p:sld>
 </file>
 
-<file path=ppt/slides/slide11.xml><?xml version="1.0" encoding="utf-8"?>
+<file path=ppt/slides/slide12.xml><?xml version="1.0" encoding="utf-8"?>
 <p:sld xmlns:a="http://schemas.openxmlformats.org/drawingml/2006/main" xmlns:r="http://schemas.openxmlformats.org/officeDocument/2006/relationships" xmlns:p="http://schemas.openxmlformats.org/presentationml/2006/main">
   <p:cSld>
     <p:spTree>
@@ -5402,7 +5461,10 @@
           </a:p>
           <a:p>
             <a:pPr marL="114300" indent="0"/>
-            <a:endParaRPr lang="en-US" dirty="0"/>
+            <a:r>
+              <a:rPr lang="en-US" dirty="0"/>
+              <a:t>New test cases</a:t>
+            </a:r>
           </a:p>
           <a:p>
             <a:pPr marL="114300" indent="0"/>
@@ -5561,9 +5623,10 @@
           <a:lstStyle/>
           <a:p>
             <a:r>
-              <a:rPr lang="en-US" dirty="0"/>
-              <a:t>Project document</a:t>
+              <a:rPr lang="en-US"/>
+              <a:t>Project Document</a:t>
             </a:r>
+            <a:endParaRPr lang="en-US" dirty="0"/>
           </a:p>
         </p:txBody>
       </p:sp>
@@ -5719,6 +5782,89 @@
           <p:cNvPr id="2" name="Title 1">
             <a:extLst>
               <a:ext uri="{FF2B5EF4-FFF2-40B4-BE49-F238E27FC236}">
+                <a16:creationId xmlns:a16="http://schemas.microsoft.com/office/drawing/2014/main" id="{B39E8180-8576-40C2-A03C-E000D89397BD}"/>
+              </a:ext>
+            </a:extLst>
+          </p:cNvPr>
+          <p:cNvSpPr>
+            <a:spLocks noGrp="1"/>
+          </p:cNvSpPr>
+          <p:nvPr>
+            <p:ph type="ctrTitle"/>
+          </p:nvPr>
+        </p:nvSpPr>
+        <p:spPr/>
+        <p:txBody>
+          <a:bodyPr/>
+          <a:lstStyle/>
+          <a:p>
+            <a:r>
+              <a:rPr lang="en-US" dirty="0"/>
+              <a:t>Test Cases</a:t>
+            </a:r>
+          </a:p>
+        </p:txBody>
+      </p:sp>
+      <p:sp>
+        <p:nvSpPr>
+          <p:cNvPr id="3" name="Subtitle 2">
+            <a:extLst>
+              <a:ext uri="{FF2B5EF4-FFF2-40B4-BE49-F238E27FC236}">
+                <a16:creationId xmlns:a16="http://schemas.microsoft.com/office/drawing/2014/main" id="{20D3F5D1-7F41-4F27-BD2D-6AC40B726A1E}"/>
+              </a:ext>
+            </a:extLst>
+          </p:cNvPr>
+          <p:cNvSpPr>
+            <a:spLocks noGrp="1"/>
+          </p:cNvSpPr>
+          <p:nvPr>
+            <p:ph type="subTitle" idx="1"/>
+          </p:nvPr>
+        </p:nvSpPr>
+        <p:spPr/>
+        <p:txBody>
+          <a:bodyPr/>
+          <a:lstStyle/>
+          <a:p>
+            <a:endParaRPr lang="en-US"/>
+          </a:p>
+        </p:txBody>
+      </p:sp>
+    </p:spTree>
+    <p:extLst>
+      <p:ext uri="{BB962C8B-B14F-4D97-AF65-F5344CB8AC3E}">
+        <p14:creationId xmlns:p14="http://schemas.microsoft.com/office/powerpoint/2010/main" val="3933119120"/>
+      </p:ext>
+    </p:extLst>
+  </p:cSld>
+  <p:clrMapOvr>
+    <a:masterClrMapping/>
+  </p:clrMapOvr>
+</p:sld>
+</file>
+
+<file path=ppt/slides/slide7.xml><?xml version="1.0" encoding="utf-8"?>
+<p:sld xmlns:a="http://schemas.openxmlformats.org/drawingml/2006/main" xmlns:r="http://schemas.openxmlformats.org/officeDocument/2006/relationships" xmlns:p="http://schemas.openxmlformats.org/presentationml/2006/main">
+  <p:cSld>
+    <p:spTree>
+      <p:nvGrpSpPr>
+        <p:cNvPr id="1" name=""/>
+        <p:cNvGrpSpPr/>
+        <p:nvPr/>
+      </p:nvGrpSpPr>
+      <p:grpSpPr>
+        <a:xfrm>
+          <a:off x="0" y="0"/>
+          <a:ext cx="0" cy="0"/>
+          <a:chOff x="0" y="0"/>
+          <a:chExt cx="0" cy="0"/>
+        </a:xfrm>
+      </p:grpSpPr>
+      <p:sp>
+        <p:nvSpPr>
+          <p:cNvPr id="2" name="Title 1">
+            <a:extLst>
+              <a:ext uri="{FF2B5EF4-FFF2-40B4-BE49-F238E27FC236}">
                 <a16:creationId xmlns:a16="http://schemas.microsoft.com/office/drawing/2014/main" id="{4AECCE98-B686-4458-B94A-0E678869382A}"/>
               </a:ext>
             </a:extLst>
@@ -5787,7 +5933,7 @@
 </p:sld>
 </file>
 
-<file path=ppt/slides/slide7.xml><?xml version="1.0" encoding="utf-8"?>
+<file path=ppt/slides/slide8.xml><?xml version="1.0" encoding="utf-8"?>
 <p:sld xmlns:a="http://schemas.openxmlformats.org/drawingml/2006/main" xmlns:r="http://schemas.openxmlformats.org/officeDocument/2006/relationships" xmlns:p="http://schemas.openxmlformats.org/presentationml/2006/main">
   <p:cSld>
     <p:spTree>
@@ -5845,7 +5991,7 @@
 </p:sld>
 </file>
 
-<file path=ppt/slides/slide8.xml><?xml version="1.0" encoding="utf-8"?>
+<file path=ppt/slides/slide9.xml><?xml version="1.0" encoding="utf-8"?>
 <p:sld xmlns:a="http://schemas.openxmlformats.org/drawingml/2006/main" xmlns:r="http://schemas.openxmlformats.org/officeDocument/2006/relationships" xmlns:p="http://schemas.openxmlformats.org/presentationml/2006/main">
   <p:cSld>
     <p:spTree>
@@ -5919,64 +6065,6 @@
     <p:extLst>
       <p:ext uri="{BB962C8B-B14F-4D97-AF65-F5344CB8AC3E}">
         <p14:creationId xmlns:p14="http://schemas.microsoft.com/office/powerpoint/2010/main" val="583646205"/>
-      </p:ext>
-    </p:extLst>
-  </p:cSld>
-  <p:clrMapOvr>
-    <a:masterClrMapping/>
-  </p:clrMapOvr>
-</p:sld>
-</file>
-
-<file path=ppt/slides/slide9.xml><?xml version="1.0" encoding="utf-8"?>
-<p:sld xmlns:a="http://schemas.openxmlformats.org/drawingml/2006/main" xmlns:r="http://schemas.openxmlformats.org/officeDocument/2006/relationships" xmlns:p="http://schemas.openxmlformats.org/presentationml/2006/main">
-  <p:cSld>
-    <p:spTree>
-      <p:nvGrpSpPr>
-        <p:cNvPr id="1" name=""/>
-        <p:cNvGrpSpPr/>
-        <p:nvPr/>
-      </p:nvGrpSpPr>
-      <p:grpSpPr>
-        <a:xfrm>
-          <a:off x="0" y="0"/>
-          <a:ext cx="0" cy="0"/>
-          <a:chOff x="0" y="0"/>
-          <a:chExt cx="0" cy="0"/>
-        </a:xfrm>
-      </p:grpSpPr>
-      <p:sp>
-        <p:nvSpPr>
-          <p:cNvPr id="2" name="Title 1">
-            <a:extLst>
-              <a:ext uri="{FF2B5EF4-FFF2-40B4-BE49-F238E27FC236}">
-                <a16:creationId xmlns:a16="http://schemas.microsoft.com/office/drawing/2014/main" id="{3B31BB42-6931-44D7-901E-143929F45810}"/>
-              </a:ext>
-            </a:extLst>
-          </p:cNvPr>
-          <p:cNvSpPr>
-            <a:spLocks noGrp="1"/>
-          </p:cNvSpPr>
-          <p:nvPr>
-            <p:ph type="ctrTitle"/>
-          </p:nvPr>
-        </p:nvSpPr>
-        <p:spPr/>
-        <p:txBody>
-          <a:bodyPr/>
-          <a:lstStyle/>
-          <a:p>
-            <a:r>
-              <a:rPr lang="en-US" dirty="0"/>
-              <a:t>Plan b</a:t>
-            </a:r>
-          </a:p>
-        </p:txBody>
-      </p:sp>
-    </p:spTree>
-    <p:extLst>
-      <p:ext uri="{BB962C8B-B14F-4D97-AF65-F5344CB8AC3E}">
-        <p14:creationId xmlns:p14="http://schemas.microsoft.com/office/powerpoint/2010/main" val="4204385414"/>
       </p:ext>
     </p:extLst>
   </p:cSld>

--- a/Fid'Lin Presentation2.pptx
+++ b/Fid'Lin Presentation2.pptx
@@ -12,14 +12,14 @@
     <p:sldId id="259" r:id="rId3"/>
     <p:sldId id="264" r:id="rId4"/>
     <p:sldId id="262" r:id="rId5"/>
-    <p:sldId id="265" r:id="rId6"/>
-    <p:sldId id="268" r:id="rId7"/>
-    <p:sldId id="257" r:id="rId8"/>
-    <p:sldId id="258" r:id="rId9"/>
-    <p:sldId id="266" r:id="rId10"/>
-    <p:sldId id="267" r:id="rId11"/>
-    <p:sldId id="260" r:id="rId12"/>
-    <p:sldId id="261" r:id="rId13"/>
+    <p:sldId id="268" r:id="rId6"/>
+    <p:sldId id="257" r:id="rId7"/>
+    <p:sldId id="258" r:id="rId8"/>
+    <p:sldId id="266" r:id="rId9"/>
+    <p:sldId id="267" r:id="rId10"/>
+    <p:sldId id="269" r:id="rId11"/>
+    <p:sldId id="270" r:id="rId12"/>
+    <p:sldId id="260" r:id="rId13"/>
   </p:sldIdLst>
   <p:sldSz cx="12192000" cy="6858000"/>
   <p:notesSz cx="6858000" cy="9144000"/>
@@ -5171,7 +5171,7 @@
           <p:cNvPr id="2" name="Title 1">
             <a:extLst>
               <a:ext uri="{FF2B5EF4-FFF2-40B4-BE49-F238E27FC236}">
-                <a16:creationId xmlns:a16="http://schemas.microsoft.com/office/drawing/2014/main" id="{3B31BB42-6931-44D7-901E-143929F45810}"/>
+                <a16:creationId xmlns:a16="http://schemas.microsoft.com/office/drawing/2014/main" id="{8FE029AC-13BA-4E11-9D21-A8D247344E9D}"/>
               </a:ext>
             </a:extLst>
           </p:cNvPr>
@@ -5189,15 +5189,40 @@
           <a:p>
             <a:r>
               <a:rPr lang="en-US" dirty="0"/>
-              <a:t>Plan b</a:t>
+              <a:t>Scaling</a:t>
             </a:r>
+          </a:p>
+        </p:txBody>
+      </p:sp>
+      <p:sp>
+        <p:nvSpPr>
+          <p:cNvPr id="3" name="Subtitle 2">
+            <a:extLst>
+              <a:ext uri="{FF2B5EF4-FFF2-40B4-BE49-F238E27FC236}">
+                <a16:creationId xmlns:a16="http://schemas.microsoft.com/office/drawing/2014/main" id="{AF6246F8-2853-4C19-9C95-040E048D1ABE}"/>
+              </a:ext>
+            </a:extLst>
+          </p:cNvPr>
+          <p:cNvSpPr>
+            <a:spLocks noGrp="1"/>
+          </p:cNvSpPr>
+          <p:nvPr>
+            <p:ph type="subTitle" idx="1"/>
+          </p:nvPr>
+        </p:nvSpPr>
+        <p:spPr/>
+        <p:txBody>
+          <a:bodyPr/>
+          <a:lstStyle/>
+          <a:p>
+            <a:endParaRPr lang="en-US"/>
           </a:p>
         </p:txBody>
       </p:sp>
     </p:spTree>
     <p:extLst>
       <p:ext uri="{BB962C8B-B14F-4D97-AF65-F5344CB8AC3E}">
-        <p14:creationId xmlns:p14="http://schemas.microsoft.com/office/powerpoint/2010/main" val="4204385414"/>
+        <p14:creationId xmlns:p14="http://schemas.microsoft.com/office/powerpoint/2010/main" val="3134008819"/>
       </p:ext>
     </p:extLst>
   </p:cSld>
@@ -5208,6 +5233,89 @@
 </file>
 
 <file path=ppt/slides/slide11.xml><?xml version="1.0" encoding="utf-8"?>
+<p:sld xmlns:a="http://schemas.openxmlformats.org/drawingml/2006/main" xmlns:r="http://schemas.openxmlformats.org/officeDocument/2006/relationships" xmlns:p="http://schemas.openxmlformats.org/presentationml/2006/main">
+  <p:cSld>
+    <p:spTree>
+      <p:nvGrpSpPr>
+        <p:cNvPr id="1" name=""/>
+        <p:cNvGrpSpPr/>
+        <p:nvPr/>
+      </p:nvGrpSpPr>
+      <p:grpSpPr>
+        <a:xfrm>
+          <a:off x="0" y="0"/>
+          <a:ext cx="0" cy="0"/>
+          <a:chOff x="0" y="0"/>
+          <a:chExt cx="0" cy="0"/>
+        </a:xfrm>
+      </p:grpSpPr>
+      <p:sp>
+        <p:nvSpPr>
+          <p:cNvPr id="2" name="Title 1">
+            <a:extLst>
+              <a:ext uri="{FF2B5EF4-FFF2-40B4-BE49-F238E27FC236}">
+                <a16:creationId xmlns:a16="http://schemas.microsoft.com/office/drawing/2014/main" id="{C4A5735D-403E-4669-A33A-BFF21A0B446D}"/>
+              </a:ext>
+            </a:extLst>
+          </p:cNvPr>
+          <p:cNvSpPr>
+            <a:spLocks noGrp="1"/>
+          </p:cNvSpPr>
+          <p:nvPr>
+            <p:ph type="ctrTitle"/>
+          </p:nvPr>
+        </p:nvSpPr>
+        <p:spPr/>
+        <p:txBody>
+          <a:bodyPr/>
+          <a:lstStyle/>
+          <a:p>
+            <a:r>
+              <a:rPr lang="en-US" dirty="0"/>
+              <a:t>Metronome</a:t>
+            </a:r>
+          </a:p>
+        </p:txBody>
+      </p:sp>
+      <p:sp>
+        <p:nvSpPr>
+          <p:cNvPr id="3" name="Subtitle 2">
+            <a:extLst>
+              <a:ext uri="{FF2B5EF4-FFF2-40B4-BE49-F238E27FC236}">
+                <a16:creationId xmlns:a16="http://schemas.microsoft.com/office/drawing/2014/main" id="{1735A21F-6959-461A-88C7-CB33FAACAF98}"/>
+              </a:ext>
+            </a:extLst>
+          </p:cNvPr>
+          <p:cNvSpPr>
+            <a:spLocks noGrp="1"/>
+          </p:cNvSpPr>
+          <p:nvPr>
+            <p:ph type="subTitle" idx="1"/>
+          </p:nvPr>
+        </p:nvSpPr>
+        <p:spPr/>
+        <p:txBody>
+          <a:bodyPr/>
+          <a:lstStyle/>
+          <a:p>
+            <a:endParaRPr lang="en-US"/>
+          </a:p>
+        </p:txBody>
+      </p:sp>
+    </p:spTree>
+    <p:extLst>
+      <p:ext uri="{BB962C8B-B14F-4D97-AF65-F5344CB8AC3E}">
+        <p14:creationId xmlns:p14="http://schemas.microsoft.com/office/powerpoint/2010/main" val="504976435"/>
+      </p:ext>
+    </p:extLst>
+  </p:cSld>
+  <p:clrMapOvr>
+    <a:masterClrMapping/>
+  </p:clrMapOvr>
+</p:sld>
+</file>
+
+<file path=ppt/slides/slide12.xml><?xml version="1.0" encoding="utf-8"?>
 <p:sld xmlns:a="http://schemas.openxmlformats.org/drawingml/2006/main" xmlns:r="http://schemas.openxmlformats.org/officeDocument/2006/relationships" xmlns:p="http://schemas.openxmlformats.org/presentationml/2006/main">
   <p:cSld>
     <p:spTree>
@@ -5281,89 +5389,6 @@
     <p:extLst>
       <p:ext uri="{BB962C8B-B14F-4D97-AF65-F5344CB8AC3E}">
         <p14:creationId xmlns:p14="http://schemas.microsoft.com/office/powerpoint/2010/main" val="4253814914"/>
-      </p:ext>
-    </p:extLst>
-  </p:cSld>
-  <p:clrMapOvr>
-    <a:masterClrMapping/>
-  </p:clrMapOvr>
-</p:sld>
-</file>
-
-<file path=ppt/slides/slide12.xml><?xml version="1.0" encoding="utf-8"?>
-<p:sld xmlns:a="http://schemas.openxmlformats.org/drawingml/2006/main" xmlns:r="http://schemas.openxmlformats.org/officeDocument/2006/relationships" xmlns:p="http://schemas.openxmlformats.org/presentationml/2006/main">
-  <p:cSld>
-    <p:spTree>
-      <p:nvGrpSpPr>
-        <p:cNvPr id="1" name=""/>
-        <p:cNvGrpSpPr/>
-        <p:nvPr/>
-      </p:nvGrpSpPr>
-      <p:grpSpPr>
-        <a:xfrm>
-          <a:off x="0" y="0"/>
-          <a:ext cx="0" cy="0"/>
-          <a:chOff x="0" y="0"/>
-          <a:chExt cx="0" cy="0"/>
-        </a:xfrm>
-      </p:grpSpPr>
-      <p:sp>
-        <p:nvSpPr>
-          <p:cNvPr id="2" name="Title 1">
-            <a:extLst>
-              <a:ext uri="{FF2B5EF4-FFF2-40B4-BE49-F238E27FC236}">
-                <a16:creationId xmlns:a16="http://schemas.microsoft.com/office/drawing/2014/main" id="{3407250E-07C6-4242-B75F-16A01A1B1160}"/>
-              </a:ext>
-            </a:extLst>
-          </p:cNvPr>
-          <p:cNvSpPr>
-            <a:spLocks noGrp="1"/>
-          </p:cNvSpPr>
-          <p:nvPr>
-            <p:ph type="ctrTitle"/>
-          </p:nvPr>
-        </p:nvSpPr>
-        <p:spPr/>
-        <p:txBody>
-          <a:bodyPr/>
-          <a:lstStyle/>
-          <a:p>
-            <a:r>
-              <a:rPr lang="en-US" dirty="0"/>
-              <a:t>Metronome</a:t>
-            </a:r>
-          </a:p>
-        </p:txBody>
-      </p:sp>
-      <p:sp>
-        <p:nvSpPr>
-          <p:cNvPr id="3" name="Subtitle 2">
-            <a:extLst>
-              <a:ext uri="{FF2B5EF4-FFF2-40B4-BE49-F238E27FC236}">
-                <a16:creationId xmlns:a16="http://schemas.microsoft.com/office/drawing/2014/main" id="{BD57F14F-363D-451D-A324-C7F8C0015758}"/>
-              </a:ext>
-            </a:extLst>
-          </p:cNvPr>
-          <p:cNvSpPr>
-            <a:spLocks noGrp="1"/>
-          </p:cNvSpPr>
-          <p:nvPr>
-            <p:ph type="subTitle" idx="1"/>
-          </p:nvPr>
-        </p:nvSpPr>
-        <p:spPr/>
-        <p:txBody>
-          <a:bodyPr/>
-          <a:lstStyle/>
-          <a:p>
-            <a:endParaRPr lang="en-US"/>
-          </a:p>
-        </p:txBody>
-      </p:sp>
-    </p:spTree>
-    <p:extLst>
-      <p:ext uri="{BB962C8B-B14F-4D97-AF65-F5344CB8AC3E}">
-        <p14:creationId xmlns:p14="http://schemas.microsoft.com/office/powerpoint/2010/main" val="1114076286"/>
       </p:ext>
     </p:extLst>
   </p:cSld>
@@ -5659,7 +5684,7 @@
           <a:p>
             <a:r>
               <a:rPr lang="en-US" dirty="0"/>
-              <a:t>Updated sections</a:t>
+              <a:t>Updated a few sections</a:t>
             </a:r>
           </a:p>
         </p:txBody>
@@ -5678,89 +5703,6 @@
 </file>
 
 <file path=ppt/slides/slide5.xml><?xml version="1.0" encoding="utf-8"?>
-<p:sld xmlns:a="http://schemas.openxmlformats.org/drawingml/2006/main" xmlns:r="http://schemas.openxmlformats.org/officeDocument/2006/relationships" xmlns:p="http://schemas.openxmlformats.org/presentationml/2006/main">
-  <p:cSld>
-    <p:spTree>
-      <p:nvGrpSpPr>
-        <p:cNvPr id="1" name=""/>
-        <p:cNvGrpSpPr/>
-        <p:nvPr/>
-      </p:nvGrpSpPr>
-      <p:grpSpPr>
-        <a:xfrm>
-          <a:off x="0" y="0"/>
-          <a:ext cx="0" cy="0"/>
-          <a:chOff x="0" y="0"/>
-          <a:chExt cx="0" cy="0"/>
-        </a:xfrm>
-      </p:grpSpPr>
-      <p:sp>
-        <p:nvSpPr>
-          <p:cNvPr id="2" name="Title 1">
-            <a:extLst>
-              <a:ext uri="{FF2B5EF4-FFF2-40B4-BE49-F238E27FC236}">
-                <a16:creationId xmlns:a16="http://schemas.microsoft.com/office/drawing/2014/main" id="{79380A47-90D1-4FFB-8DDD-94E6EAA3D90C}"/>
-              </a:ext>
-            </a:extLst>
-          </p:cNvPr>
-          <p:cNvSpPr>
-            <a:spLocks noGrp="1"/>
-          </p:cNvSpPr>
-          <p:nvPr>
-            <p:ph type="ctrTitle"/>
-          </p:nvPr>
-        </p:nvSpPr>
-        <p:spPr/>
-        <p:txBody>
-          <a:bodyPr/>
-          <a:lstStyle/>
-          <a:p>
-            <a:r>
-              <a:rPr lang="en-US" dirty="0"/>
-              <a:t>Project Plan</a:t>
-            </a:r>
-          </a:p>
-        </p:txBody>
-      </p:sp>
-      <p:sp>
-        <p:nvSpPr>
-          <p:cNvPr id="3" name="Subtitle 2">
-            <a:extLst>
-              <a:ext uri="{FF2B5EF4-FFF2-40B4-BE49-F238E27FC236}">
-                <a16:creationId xmlns:a16="http://schemas.microsoft.com/office/drawing/2014/main" id="{278BAF4F-025F-4E94-BA8A-F93A875E8A3F}"/>
-              </a:ext>
-            </a:extLst>
-          </p:cNvPr>
-          <p:cNvSpPr>
-            <a:spLocks noGrp="1"/>
-          </p:cNvSpPr>
-          <p:nvPr>
-            <p:ph type="subTitle" idx="1"/>
-          </p:nvPr>
-        </p:nvSpPr>
-        <p:spPr/>
-        <p:txBody>
-          <a:bodyPr/>
-          <a:lstStyle/>
-          <a:p>
-            <a:endParaRPr lang="en-US" dirty="0"/>
-          </a:p>
-        </p:txBody>
-      </p:sp>
-    </p:spTree>
-    <p:extLst>
-      <p:ext uri="{BB962C8B-B14F-4D97-AF65-F5344CB8AC3E}">
-        <p14:creationId xmlns:p14="http://schemas.microsoft.com/office/powerpoint/2010/main" val="1964314383"/>
-      </p:ext>
-    </p:extLst>
-  </p:cSld>
-  <p:clrMapOvr>
-    <a:masterClrMapping/>
-  </p:clrMapOvr>
-</p:sld>
-</file>
-
-<file path=ppt/slides/slide6.xml><?xml version="1.0" encoding="utf-8"?>
 <p:sld xmlns:a="http://schemas.openxmlformats.org/drawingml/2006/main" xmlns:r="http://schemas.openxmlformats.org/officeDocument/2006/relationships" xmlns:p="http://schemas.openxmlformats.org/presentationml/2006/main">
   <p:cSld>
     <p:spTree>
@@ -5843,7 +5785,7 @@
 </p:sld>
 </file>
 
-<file path=ppt/slides/slide7.xml><?xml version="1.0" encoding="utf-8"?>
+<file path=ppt/slides/slide6.xml><?xml version="1.0" encoding="utf-8"?>
 <p:sld xmlns:a="http://schemas.openxmlformats.org/drawingml/2006/main" xmlns:r="http://schemas.openxmlformats.org/officeDocument/2006/relationships" xmlns:p="http://schemas.openxmlformats.org/presentationml/2006/main">
   <p:cSld>
     <p:spTree>
@@ -5933,7 +5875,7 @@
 </p:sld>
 </file>
 
-<file path=ppt/slides/slide8.xml><?xml version="1.0" encoding="utf-8"?>
+<file path=ppt/slides/slide7.xml><?xml version="1.0" encoding="utf-8"?>
 <p:sld xmlns:a="http://schemas.openxmlformats.org/drawingml/2006/main" xmlns:r="http://schemas.openxmlformats.org/officeDocument/2006/relationships" xmlns:p="http://schemas.openxmlformats.org/presentationml/2006/main">
   <p:cSld>
     <p:spTree>
@@ -5991,7 +5933,7 @@
 </p:sld>
 </file>
 
-<file path=ppt/slides/slide9.xml><?xml version="1.0" encoding="utf-8"?>
+<file path=ppt/slides/slide8.xml><?xml version="1.0" encoding="utf-8"?>
 <p:sld xmlns:a="http://schemas.openxmlformats.org/drawingml/2006/main" xmlns:r="http://schemas.openxmlformats.org/officeDocument/2006/relationships" xmlns:p="http://schemas.openxmlformats.org/presentationml/2006/main">
   <p:cSld>
     <p:spTree>
@@ -6065,6 +6007,64 @@
     <p:extLst>
       <p:ext uri="{BB962C8B-B14F-4D97-AF65-F5344CB8AC3E}">
         <p14:creationId xmlns:p14="http://schemas.microsoft.com/office/powerpoint/2010/main" val="583646205"/>
+      </p:ext>
+    </p:extLst>
+  </p:cSld>
+  <p:clrMapOvr>
+    <a:masterClrMapping/>
+  </p:clrMapOvr>
+</p:sld>
+</file>
+
+<file path=ppt/slides/slide9.xml><?xml version="1.0" encoding="utf-8"?>
+<p:sld xmlns:a="http://schemas.openxmlformats.org/drawingml/2006/main" xmlns:r="http://schemas.openxmlformats.org/officeDocument/2006/relationships" xmlns:p="http://schemas.openxmlformats.org/presentationml/2006/main">
+  <p:cSld>
+    <p:spTree>
+      <p:nvGrpSpPr>
+        <p:cNvPr id="1" name=""/>
+        <p:cNvGrpSpPr/>
+        <p:nvPr/>
+      </p:nvGrpSpPr>
+      <p:grpSpPr>
+        <a:xfrm>
+          <a:off x="0" y="0"/>
+          <a:ext cx="0" cy="0"/>
+          <a:chOff x="0" y="0"/>
+          <a:chExt cx="0" cy="0"/>
+        </a:xfrm>
+      </p:grpSpPr>
+      <p:sp>
+        <p:nvSpPr>
+          <p:cNvPr id="2" name="Title 1">
+            <a:extLst>
+              <a:ext uri="{FF2B5EF4-FFF2-40B4-BE49-F238E27FC236}">
+                <a16:creationId xmlns:a16="http://schemas.microsoft.com/office/drawing/2014/main" id="{3B31BB42-6931-44D7-901E-143929F45810}"/>
+              </a:ext>
+            </a:extLst>
+          </p:cNvPr>
+          <p:cNvSpPr>
+            <a:spLocks noGrp="1"/>
+          </p:cNvSpPr>
+          <p:nvPr>
+            <p:ph type="ctrTitle"/>
+          </p:nvPr>
+        </p:nvSpPr>
+        <p:spPr/>
+        <p:txBody>
+          <a:bodyPr/>
+          <a:lstStyle/>
+          <a:p>
+            <a:r>
+              <a:rPr lang="en-US" dirty="0"/>
+              <a:t>Plan b</a:t>
+            </a:r>
+          </a:p>
+        </p:txBody>
+      </p:sp>
+    </p:spTree>
+    <p:extLst>
+      <p:ext uri="{BB962C8B-B14F-4D97-AF65-F5344CB8AC3E}">
+        <p14:creationId xmlns:p14="http://schemas.microsoft.com/office/powerpoint/2010/main" val="4204385414"/>
       </p:ext>
     </p:extLst>
   </p:cSld>

--- a/Fid'Lin Presentation2.pptx
+++ b/Fid'Lin Presentation2.pptx
@@ -5,7 +5,7 @@
     <p:sldMasterId id="2147483658" r:id="rId1"/>
   </p:sldMasterIdLst>
   <p:notesMasterIdLst>
-    <p:notesMasterId r:id="rId14"/>
+    <p:notesMasterId r:id="rId17"/>
   </p:notesMasterIdLst>
   <p:sldIdLst>
     <p:sldId id="256" r:id="rId2"/>
@@ -14,29 +14,32 @@
     <p:sldId id="262" r:id="rId5"/>
     <p:sldId id="268" r:id="rId6"/>
     <p:sldId id="257" r:id="rId7"/>
-    <p:sldId id="258" r:id="rId8"/>
-    <p:sldId id="266" r:id="rId9"/>
-    <p:sldId id="267" r:id="rId10"/>
-    <p:sldId id="269" r:id="rId11"/>
-    <p:sldId id="270" r:id="rId12"/>
-    <p:sldId id="260" r:id="rId13"/>
+    <p:sldId id="272" r:id="rId8"/>
+    <p:sldId id="258" r:id="rId9"/>
+    <p:sldId id="266" r:id="rId10"/>
+    <p:sldId id="267" r:id="rId11"/>
+    <p:sldId id="269" r:id="rId12"/>
+    <p:sldId id="270" r:id="rId13"/>
+    <p:sldId id="260" r:id="rId14"/>
+    <p:sldId id="271" r:id="rId15"/>
+    <p:sldId id="273" r:id="rId16"/>
   </p:sldIdLst>
   <p:sldSz cx="12192000" cy="6858000"/>
   <p:notesSz cx="6858000" cy="9144000"/>
   <p:embeddedFontLst>
     <p:embeddedFont>
       <p:font typeface="Cabin" panose="020B0604020202020204" charset="0"/>
-      <p:regular r:id="rId15"/>
-      <p:bold r:id="rId16"/>
-      <p:italic r:id="rId17"/>
-      <p:boldItalic r:id="rId18"/>
+      <p:regular r:id="rId18"/>
+      <p:bold r:id="rId19"/>
+      <p:italic r:id="rId20"/>
+      <p:boldItalic r:id="rId21"/>
     </p:embeddedFont>
     <p:embeddedFont>
       <p:font typeface="Calibri" panose="020F0502020204030204" pitchFamily="34" charset="0"/>
-      <p:regular r:id="rId19"/>
-      <p:bold r:id="rId20"/>
-      <p:italic r:id="rId21"/>
-      <p:boldItalic r:id="rId22"/>
+      <p:regular r:id="rId22"/>
+      <p:bold r:id="rId23"/>
+      <p:italic r:id="rId24"/>
+      <p:boldItalic r:id="rId25"/>
     </p:embeddedFont>
   </p:embeddedFontLst>
   <p:defaultTextStyle>
@@ -5171,6 +5174,64 @@
           <p:cNvPr id="2" name="Title 1">
             <a:extLst>
               <a:ext uri="{FF2B5EF4-FFF2-40B4-BE49-F238E27FC236}">
+                <a16:creationId xmlns:a16="http://schemas.microsoft.com/office/drawing/2014/main" id="{3B31BB42-6931-44D7-901E-143929F45810}"/>
+              </a:ext>
+            </a:extLst>
+          </p:cNvPr>
+          <p:cNvSpPr>
+            <a:spLocks noGrp="1"/>
+          </p:cNvSpPr>
+          <p:nvPr>
+            <p:ph type="ctrTitle"/>
+          </p:nvPr>
+        </p:nvSpPr>
+        <p:spPr/>
+        <p:txBody>
+          <a:bodyPr/>
+          <a:lstStyle/>
+          <a:p>
+            <a:r>
+              <a:rPr lang="en-US" dirty="0"/>
+              <a:t>Plan b</a:t>
+            </a:r>
+          </a:p>
+        </p:txBody>
+      </p:sp>
+    </p:spTree>
+    <p:extLst>
+      <p:ext uri="{BB962C8B-B14F-4D97-AF65-F5344CB8AC3E}">
+        <p14:creationId xmlns:p14="http://schemas.microsoft.com/office/powerpoint/2010/main" val="4204385414"/>
+      </p:ext>
+    </p:extLst>
+  </p:cSld>
+  <p:clrMapOvr>
+    <a:masterClrMapping/>
+  </p:clrMapOvr>
+</p:sld>
+</file>
+
+<file path=ppt/slides/slide11.xml><?xml version="1.0" encoding="utf-8"?>
+<p:sld xmlns:a="http://schemas.openxmlformats.org/drawingml/2006/main" xmlns:r="http://schemas.openxmlformats.org/officeDocument/2006/relationships" xmlns:p="http://schemas.openxmlformats.org/presentationml/2006/main">
+  <p:cSld>
+    <p:spTree>
+      <p:nvGrpSpPr>
+        <p:cNvPr id="1" name=""/>
+        <p:cNvGrpSpPr/>
+        <p:nvPr/>
+      </p:nvGrpSpPr>
+      <p:grpSpPr>
+        <a:xfrm>
+          <a:off x="0" y="0"/>
+          <a:ext cx="0" cy="0"/>
+          <a:chOff x="0" y="0"/>
+          <a:chExt cx="0" cy="0"/>
+        </a:xfrm>
+      </p:grpSpPr>
+      <p:sp>
+        <p:nvSpPr>
+          <p:cNvPr id="2" name="Title 1">
+            <a:extLst>
+              <a:ext uri="{FF2B5EF4-FFF2-40B4-BE49-F238E27FC236}">
                 <a16:creationId xmlns:a16="http://schemas.microsoft.com/office/drawing/2014/main" id="{8FE029AC-13BA-4E11-9D21-A8D247344E9D}"/>
               </a:ext>
             </a:extLst>
@@ -5232,7 +5293,7 @@
 </p:sld>
 </file>
 
-<file path=ppt/slides/slide11.xml><?xml version="1.0" encoding="utf-8"?>
+<file path=ppt/slides/slide12.xml><?xml version="1.0" encoding="utf-8"?>
 <p:sld xmlns:a="http://schemas.openxmlformats.org/drawingml/2006/main" xmlns:r="http://schemas.openxmlformats.org/officeDocument/2006/relationships" xmlns:p="http://schemas.openxmlformats.org/presentationml/2006/main">
   <p:cSld>
     <p:spTree>
@@ -5315,7 +5376,7 @@
 </p:sld>
 </file>
 
-<file path=ppt/slides/slide12.xml><?xml version="1.0" encoding="utf-8"?>
+<file path=ppt/slides/slide13.xml><?xml version="1.0" encoding="utf-8"?>
 <p:sld xmlns:a="http://schemas.openxmlformats.org/drawingml/2006/main" xmlns:r="http://schemas.openxmlformats.org/officeDocument/2006/relationships" xmlns:p="http://schemas.openxmlformats.org/presentationml/2006/main">
   <p:cSld>
     <p:spTree>
@@ -5381,7 +5442,16 @@
           <a:bodyPr/>
           <a:lstStyle/>
           <a:p>
-            <a:endParaRPr lang="en-US"/>
+            <a:r>
+              <a:rPr lang="en-US" dirty="0"/>
+              <a:t>Vocal Processor Demonstration</a:t>
+            </a:r>
+          </a:p>
+          <a:p>
+            <a:r>
+              <a:rPr lang="en-US" dirty="0"/>
+              <a:t>The Challenge of Adding it to the Program</a:t>
+            </a:r>
           </a:p>
         </p:txBody>
       </p:sp>
@@ -5389,6 +5459,178 @@
     <p:extLst>
       <p:ext uri="{BB962C8B-B14F-4D97-AF65-F5344CB8AC3E}">
         <p14:creationId xmlns:p14="http://schemas.microsoft.com/office/powerpoint/2010/main" val="4253814914"/>
+      </p:ext>
+    </p:extLst>
+  </p:cSld>
+  <p:clrMapOvr>
+    <a:masterClrMapping/>
+  </p:clrMapOvr>
+</p:sld>
+</file>
+
+<file path=ppt/slides/slide14.xml><?xml version="1.0" encoding="utf-8"?>
+<p:sld xmlns:a="http://schemas.openxmlformats.org/drawingml/2006/main" xmlns:r="http://schemas.openxmlformats.org/officeDocument/2006/relationships" xmlns:p="http://schemas.openxmlformats.org/presentationml/2006/main">
+  <p:cSld>
+    <p:spTree>
+      <p:nvGrpSpPr>
+        <p:cNvPr id="1" name=""/>
+        <p:cNvGrpSpPr/>
+        <p:nvPr/>
+      </p:nvGrpSpPr>
+      <p:grpSpPr>
+        <a:xfrm>
+          <a:off x="0" y="0"/>
+          <a:ext cx="0" cy="0"/>
+          <a:chOff x="0" y="0"/>
+          <a:chExt cx="0" cy="0"/>
+        </a:xfrm>
+      </p:grpSpPr>
+      <p:sp>
+        <p:nvSpPr>
+          <p:cNvPr id="2" name="Title 1">
+            <a:extLst>
+              <a:ext uri="{FF2B5EF4-FFF2-40B4-BE49-F238E27FC236}">
+                <a16:creationId xmlns:a16="http://schemas.microsoft.com/office/drawing/2014/main" id="{269D7107-F118-4415-B4CD-A6DFDB1C38A4}"/>
+              </a:ext>
+            </a:extLst>
+          </p:cNvPr>
+          <p:cNvSpPr>
+            <a:spLocks noGrp="1"/>
+          </p:cNvSpPr>
+          <p:nvPr>
+            <p:ph type="ctrTitle"/>
+          </p:nvPr>
+        </p:nvSpPr>
+        <p:spPr/>
+        <p:txBody>
+          <a:bodyPr/>
+          <a:lstStyle/>
+          <a:p>
+            <a:r>
+              <a:rPr lang="en-US" dirty="0"/>
+              <a:t>Plan B</a:t>
+            </a:r>
+          </a:p>
+        </p:txBody>
+      </p:sp>
+      <p:sp>
+        <p:nvSpPr>
+          <p:cNvPr id="3" name="Subtitle 2">
+            <a:extLst>
+              <a:ext uri="{FF2B5EF4-FFF2-40B4-BE49-F238E27FC236}">
+                <a16:creationId xmlns:a16="http://schemas.microsoft.com/office/drawing/2014/main" id="{FC1FDC23-3F42-444B-AE47-89D67955A450}"/>
+              </a:ext>
+            </a:extLst>
+          </p:cNvPr>
+          <p:cNvSpPr>
+            <a:spLocks noGrp="1"/>
+          </p:cNvSpPr>
+          <p:nvPr>
+            <p:ph type="subTitle" idx="1"/>
+          </p:nvPr>
+        </p:nvSpPr>
+        <p:spPr/>
+        <p:txBody>
+          <a:bodyPr/>
+          <a:lstStyle/>
+          <a:p>
+            <a:r>
+              <a:rPr lang="en-US" dirty="0"/>
+              <a:t>“Brain Tuning” – Essentially playing the sound as it should be and expecting the user to match it.</a:t>
+            </a:r>
+          </a:p>
+        </p:txBody>
+      </p:sp>
+    </p:spTree>
+    <p:extLst>
+      <p:ext uri="{BB962C8B-B14F-4D97-AF65-F5344CB8AC3E}">
+        <p14:creationId xmlns:p14="http://schemas.microsoft.com/office/powerpoint/2010/main" val="1755597606"/>
+      </p:ext>
+    </p:extLst>
+  </p:cSld>
+  <p:clrMapOvr>
+    <a:masterClrMapping/>
+  </p:clrMapOvr>
+</p:sld>
+</file>
+
+<file path=ppt/slides/slide15.xml><?xml version="1.0" encoding="utf-8"?>
+<p:sld xmlns:a="http://schemas.openxmlformats.org/drawingml/2006/main" xmlns:r="http://schemas.openxmlformats.org/officeDocument/2006/relationships" xmlns:p="http://schemas.openxmlformats.org/presentationml/2006/main">
+  <p:cSld>
+    <p:spTree>
+      <p:nvGrpSpPr>
+        <p:cNvPr id="1" name=""/>
+        <p:cNvGrpSpPr/>
+        <p:nvPr/>
+      </p:nvGrpSpPr>
+      <p:grpSpPr>
+        <a:xfrm>
+          <a:off x="0" y="0"/>
+          <a:ext cx="0" cy="0"/>
+          <a:chOff x="0" y="0"/>
+          <a:chExt cx="0" cy="0"/>
+        </a:xfrm>
+      </p:grpSpPr>
+      <p:sp>
+        <p:nvSpPr>
+          <p:cNvPr id="2" name="Title 1">
+            <a:extLst>
+              <a:ext uri="{FF2B5EF4-FFF2-40B4-BE49-F238E27FC236}">
+                <a16:creationId xmlns:a16="http://schemas.microsoft.com/office/drawing/2014/main" id="{21F310D7-BF2E-4857-86BA-613A72031D16}"/>
+              </a:ext>
+            </a:extLst>
+          </p:cNvPr>
+          <p:cNvSpPr>
+            <a:spLocks noGrp="1"/>
+          </p:cNvSpPr>
+          <p:nvPr>
+            <p:ph type="ctrTitle"/>
+          </p:nvPr>
+        </p:nvSpPr>
+        <p:spPr/>
+        <p:txBody>
+          <a:bodyPr/>
+          <a:lstStyle/>
+          <a:p>
+            <a:r>
+              <a:rPr lang="en-US" dirty="0"/>
+              <a:t>Updated Plan For Sprint 3</a:t>
+            </a:r>
+          </a:p>
+        </p:txBody>
+      </p:sp>
+      <p:sp>
+        <p:nvSpPr>
+          <p:cNvPr id="3" name="Subtitle 2">
+            <a:extLst>
+              <a:ext uri="{FF2B5EF4-FFF2-40B4-BE49-F238E27FC236}">
+                <a16:creationId xmlns:a16="http://schemas.microsoft.com/office/drawing/2014/main" id="{01CB6686-669C-4537-AC40-68E3580E974B}"/>
+              </a:ext>
+            </a:extLst>
+          </p:cNvPr>
+          <p:cNvSpPr>
+            <a:spLocks noGrp="1"/>
+          </p:cNvSpPr>
+          <p:nvPr>
+            <p:ph type="subTitle" idx="1"/>
+          </p:nvPr>
+        </p:nvSpPr>
+        <p:spPr/>
+        <p:txBody>
+          <a:bodyPr/>
+          <a:lstStyle/>
+          <a:p>
+            <a:r>
+              <a:rPr lang="en-US" dirty="0"/>
+              <a:t>Functioning build of all features connected to the user interface.</a:t>
+            </a:r>
+          </a:p>
+        </p:txBody>
+      </p:sp>
+    </p:spTree>
+    <p:extLst>
+      <p:ext uri="{BB962C8B-B14F-4D97-AF65-F5344CB8AC3E}">
+        <p14:creationId xmlns:p14="http://schemas.microsoft.com/office/powerpoint/2010/main" val="836692877"/>
       </p:ext>
     </p:extLst>
   </p:cSld>
@@ -5897,6 +6139,98 @@
           <p:cNvPr id="2" name="Title 1">
             <a:extLst>
               <a:ext uri="{FF2B5EF4-FFF2-40B4-BE49-F238E27FC236}">
+                <a16:creationId xmlns:a16="http://schemas.microsoft.com/office/drawing/2014/main" id="{A335E6C2-C5E7-46DE-8C08-BC9309B9B9C4}"/>
+              </a:ext>
+            </a:extLst>
+          </p:cNvPr>
+          <p:cNvSpPr>
+            <a:spLocks noGrp="1"/>
+          </p:cNvSpPr>
+          <p:nvPr>
+            <p:ph type="ctrTitle"/>
+          </p:nvPr>
+        </p:nvSpPr>
+        <p:spPr/>
+        <p:txBody>
+          <a:bodyPr/>
+          <a:lstStyle/>
+          <a:p>
+            <a:r>
+              <a:rPr lang="en-US" dirty="0"/>
+              <a:t>Workload Distribution</a:t>
+            </a:r>
+          </a:p>
+        </p:txBody>
+      </p:sp>
+      <p:sp>
+        <p:nvSpPr>
+          <p:cNvPr id="3" name="Subtitle 2">
+            <a:extLst>
+              <a:ext uri="{FF2B5EF4-FFF2-40B4-BE49-F238E27FC236}">
+                <a16:creationId xmlns:a16="http://schemas.microsoft.com/office/drawing/2014/main" id="{2FFF9645-0604-475D-BFCD-20B191D0349D}"/>
+              </a:ext>
+            </a:extLst>
+          </p:cNvPr>
+          <p:cNvSpPr>
+            <a:spLocks noGrp="1"/>
+          </p:cNvSpPr>
+          <p:nvPr>
+            <p:ph type="subTitle" idx="1"/>
+          </p:nvPr>
+        </p:nvSpPr>
+        <p:spPr/>
+        <p:txBody>
+          <a:bodyPr/>
+          <a:lstStyle/>
+          <a:p>
+            <a:r>
+              <a:rPr lang="en-US" dirty="0"/>
+              <a:t>Derek – Tuning</a:t>
+            </a:r>
+          </a:p>
+          <a:p>
+            <a:r>
+              <a:rPr lang="en-US" dirty="0"/>
+              <a:t>Phil, Dylan, and Jakob – Intonation, Scaling, Metronome </a:t>
+            </a:r>
+          </a:p>
+        </p:txBody>
+      </p:sp>
+    </p:spTree>
+    <p:extLst>
+      <p:ext uri="{BB962C8B-B14F-4D97-AF65-F5344CB8AC3E}">
+        <p14:creationId xmlns:p14="http://schemas.microsoft.com/office/powerpoint/2010/main" val="1069172555"/>
+      </p:ext>
+    </p:extLst>
+  </p:cSld>
+  <p:clrMapOvr>
+    <a:masterClrMapping/>
+  </p:clrMapOvr>
+</p:sld>
+</file>
+
+<file path=ppt/slides/slide8.xml><?xml version="1.0" encoding="utf-8"?>
+<p:sld xmlns:a="http://schemas.openxmlformats.org/drawingml/2006/main" xmlns:r="http://schemas.openxmlformats.org/officeDocument/2006/relationships" xmlns:p="http://schemas.openxmlformats.org/presentationml/2006/main">
+  <p:cSld>
+    <p:spTree>
+      <p:nvGrpSpPr>
+        <p:cNvPr id="1" name=""/>
+        <p:cNvGrpSpPr/>
+        <p:nvPr/>
+      </p:nvGrpSpPr>
+      <p:grpSpPr>
+        <a:xfrm>
+          <a:off x="0" y="0"/>
+          <a:ext cx="0" cy="0"/>
+          <a:chOff x="0" y="0"/>
+          <a:chExt cx="0" cy="0"/>
+        </a:xfrm>
+      </p:grpSpPr>
+      <p:sp>
+        <p:nvSpPr>
+          <p:cNvPr id="2" name="Title 1">
+            <a:extLst>
+              <a:ext uri="{FF2B5EF4-FFF2-40B4-BE49-F238E27FC236}">
                 <a16:creationId xmlns:a16="http://schemas.microsoft.com/office/drawing/2014/main" id="{FFC6979A-EE40-4AAB-9C93-D67B3E34BA3C}"/>
               </a:ext>
             </a:extLst>
@@ -5933,7 +6267,7 @@
 </p:sld>
 </file>
 
-<file path=ppt/slides/slide8.xml><?xml version="1.0" encoding="utf-8"?>
+<file path=ppt/slides/slide9.xml><?xml version="1.0" encoding="utf-8"?>
 <p:sld xmlns:a="http://schemas.openxmlformats.org/drawingml/2006/main" xmlns:r="http://schemas.openxmlformats.org/officeDocument/2006/relationships" xmlns:p="http://schemas.openxmlformats.org/presentationml/2006/main">
   <p:cSld>
     <p:spTree>
@@ -6007,64 +6341,6 @@
     <p:extLst>
       <p:ext uri="{BB962C8B-B14F-4D97-AF65-F5344CB8AC3E}">
         <p14:creationId xmlns:p14="http://schemas.microsoft.com/office/powerpoint/2010/main" val="583646205"/>
-      </p:ext>
-    </p:extLst>
-  </p:cSld>
-  <p:clrMapOvr>
-    <a:masterClrMapping/>
-  </p:clrMapOvr>
-</p:sld>
-</file>
-
-<file path=ppt/slides/slide9.xml><?xml version="1.0" encoding="utf-8"?>
-<p:sld xmlns:a="http://schemas.openxmlformats.org/drawingml/2006/main" xmlns:r="http://schemas.openxmlformats.org/officeDocument/2006/relationships" xmlns:p="http://schemas.openxmlformats.org/presentationml/2006/main">
-  <p:cSld>
-    <p:spTree>
-      <p:nvGrpSpPr>
-        <p:cNvPr id="1" name=""/>
-        <p:cNvGrpSpPr/>
-        <p:nvPr/>
-      </p:nvGrpSpPr>
-      <p:grpSpPr>
-        <a:xfrm>
-          <a:off x="0" y="0"/>
-          <a:ext cx="0" cy="0"/>
-          <a:chOff x="0" y="0"/>
-          <a:chExt cx="0" cy="0"/>
-        </a:xfrm>
-      </p:grpSpPr>
-      <p:sp>
-        <p:nvSpPr>
-          <p:cNvPr id="2" name="Title 1">
-            <a:extLst>
-              <a:ext uri="{FF2B5EF4-FFF2-40B4-BE49-F238E27FC236}">
-                <a16:creationId xmlns:a16="http://schemas.microsoft.com/office/drawing/2014/main" id="{3B31BB42-6931-44D7-901E-143929F45810}"/>
-              </a:ext>
-            </a:extLst>
-          </p:cNvPr>
-          <p:cNvSpPr>
-            <a:spLocks noGrp="1"/>
-          </p:cNvSpPr>
-          <p:nvPr>
-            <p:ph type="ctrTitle"/>
-          </p:nvPr>
-        </p:nvSpPr>
-        <p:spPr/>
-        <p:txBody>
-          <a:bodyPr/>
-          <a:lstStyle/>
-          <a:p>
-            <a:r>
-              <a:rPr lang="en-US" dirty="0"/>
-              <a:t>Plan b</a:t>
-            </a:r>
-          </a:p>
-        </p:txBody>
-      </p:sp>
-    </p:spTree>
-    <p:extLst>
-      <p:ext uri="{BB962C8B-B14F-4D97-AF65-F5344CB8AC3E}">
-        <p14:creationId xmlns:p14="http://schemas.microsoft.com/office/powerpoint/2010/main" val="4204385414"/>
       </p:ext>
     </p:extLst>
   </p:cSld>
